--- a/FA24/WK6/CodingSessionSix.pptx
+++ b/FA24/WK6/CodingSessionSix.pptx
@@ -16363,8 +16363,8 @@
         </p:nvSpPr>
         <p:spPr>
           <a:xfrm>
-            <a:off x="3563586" y="5848610"/>
-            <a:ext cx="2394154" cy="754012"/>
+            <a:off x="3595394" y="5848610"/>
+            <a:ext cx="2394154" cy="969456"/>
           </a:xfrm>
           <a:prstGeom prst="rect">
             <a:avLst/>
@@ -16398,29 +16398,26 @@
               <a:buNone/>
             </a:pPr>
             <a:r>
-              <a:rPr lang="en-US" sz="1200" b="1" dirty="0">
-                <a:solidFill>
-                  <a:schemeClr val="lt1"/>
-                </a:solidFill>
+              <a:rPr kumimoji="0" lang="en-US" sz="1200" b="1" i="0" u="none" strike="noStrike" kern="0" cap="none" spc="0" normalizeH="0" baseline="0" noProof="0" dirty="0">
+                <a:ln>
+                  <a:noFill/>
+                </a:ln>
+                <a:solidFill>
+                  <a:srgbClr val="FFFFFF"/>
+                </a:solidFill>
+                <a:effectLst/>
+                <a:uLnTx/>
+                <a:uFillTx/>
                 <a:latin typeface="Calibri"/>
                 <a:ea typeface="Calibri"/>
                 <a:cs typeface="Calibri"/>
                 <a:sym typeface="Calibri"/>
               </a:rPr>
-              <a:t>Cameron Nelson</a:t>
+              <a:t>Gabriel Shores</a:t>
             </a:r>
-            <a:endParaRPr sz="1200" b="1" i="0" u="none" strike="noStrike" cap="none" dirty="0">
-              <a:solidFill>
-                <a:schemeClr val="lt1"/>
-              </a:solidFill>
-              <a:latin typeface="Calibri"/>
-              <a:ea typeface="Calibri"/>
-              <a:cs typeface="Calibri"/>
-              <a:sym typeface="Calibri"/>
-            </a:endParaRPr>
           </a:p>
           <a:p>
-            <a:pPr marL="0" marR="0" lvl="0" indent="0" algn="l" rtl="0">
+            <a:pPr marL="0" marR="0" lvl="0" indent="0" algn="l" defTabSz="914400" rtl="0" eaLnBrk="1" fontAlgn="auto" latinLnBrk="0" hangingPunct="1">
               <a:lnSpc>
                 <a:spcPct val="100000"/>
               </a:lnSpc>
@@ -16436,22 +16433,30 @@
               <a:buSzPts val="1100"/>
               <a:buFont typeface="Arial"/>
               <a:buNone/>
+              <a:tabLst/>
+              <a:defRPr/>
             </a:pPr>
             <a:r>
-              <a:rPr lang="en-US" sz="1100" b="1" i="1" u="none" strike="noStrike" cap="none" dirty="0">
-                <a:solidFill>
-                  <a:schemeClr val="lt1"/>
-                </a:solidFill>
+              <a:rPr kumimoji="0" lang="en-US" sz="1100" b="1" i="1" u="none" strike="noStrike" kern="0" cap="none" spc="0" normalizeH="0" baseline="0" noProof="0" dirty="0">
+                <a:ln>
+                  <a:noFill/>
+                </a:ln>
+                <a:solidFill>
+                  <a:srgbClr val="FFFFFF"/>
+                </a:solidFill>
+                <a:effectLst/>
+                <a:uLnTx/>
+                <a:uFillTx/>
                 <a:latin typeface="Calibri"/>
                 <a:ea typeface="Calibri"/>
                 <a:cs typeface="Calibri"/>
                 <a:sym typeface="Calibri"/>
               </a:rPr>
-              <a:t>Fund Equities Lead– FinTech @ IU</a:t>
+              <a:t>Director of Technology – FinTech @ IU</a:t>
             </a:r>
           </a:p>
           <a:p>
-            <a:pPr marL="0" marR="0" lvl="0" indent="0" algn="l" rtl="0">
+            <a:pPr marL="0" marR="0" lvl="0" indent="0" algn="l" defTabSz="914400" rtl="0" eaLnBrk="1" fontAlgn="auto" latinLnBrk="0" hangingPunct="1">
               <a:lnSpc>
                 <a:spcPct val="100000"/>
               </a:lnSpc>
@@ -16467,19 +16472,61 @@
               <a:buSzPts val="1000"/>
               <a:buFont typeface="Arial"/>
               <a:buNone/>
+              <a:tabLst/>
+              <a:defRPr/>
             </a:pPr>
             <a:r>
-              <a:rPr lang="en-US" sz="1000" b="0" i="0" u="none" strike="noStrike" cap="none" dirty="0">
-                <a:solidFill>
-                  <a:schemeClr val="lt1"/>
-                </a:solidFill>
+              <a:rPr kumimoji="0" lang="en-US" sz="1000" b="0" i="0" u="none" strike="noStrike" kern="0" cap="none" spc="0" normalizeH="0" baseline="0" noProof="0" dirty="0">
+                <a:ln>
+                  <a:noFill/>
+                </a:ln>
+                <a:solidFill>
+                  <a:srgbClr val="FFFFFF"/>
+                </a:solidFill>
+                <a:effectLst/>
+                <a:uLnTx/>
+                <a:uFillTx/>
                 <a:latin typeface="Calibri"/>
                 <a:ea typeface="Calibri"/>
                 <a:cs typeface="Calibri"/>
                 <a:sym typeface="Calibri"/>
               </a:rPr>
-              <a:t>https://www.linkedin.com/in/cameron-j-nelson/</a:t>
+              <a:t>https://www.linkedin.com/in/gabriel-shores-379b81291/</a:t>
             </a:r>
+            <a:endParaRPr kumimoji="0" lang="en-US" sz="1400" b="0" i="0" u="none" strike="noStrike" kern="0" cap="none" spc="0" normalizeH="0" baseline="0" noProof="0" dirty="0">
+              <a:ln>
+                <a:noFill/>
+              </a:ln>
+              <a:solidFill>
+                <a:srgbClr val="000000"/>
+              </a:solidFill>
+              <a:effectLst/>
+              <a:uLnTx/>
+              <a:uFillTx/>
+              <a:latin typeface="Arial"/>
+              <a:ea typeface="Arial"/>
+              <a:cs typeface="Arial"/>
+              <a:sym typeface="Arial"/>
+            </a:endParaRPr>
+          </a:p>
+          <a:p>
+            <a:pPr marL="0" marR="0" lvl="0" indent="0" algn="l" rtl="0">
+              <a:lnSpc>
+                <a:spcPct val="100000"/>
+              </a:lnSpc>
+              <a:spcBef>
+                <a:spcPts val="0"/>
+              </a:spcBef>
+              <a:spcAft>
+                <a:spcPts val="0"/>
+              </a:spcAft>
+              <a:buClr>
+                <a:srgbClr val="000000"/>
+              </a:buClr>
+              <a:buSzPts val="1000"/>
+              <a:buFont typeface="Arial"/>
+              <a:buNone/>
+            </a:pPr>
             <a:endParaRPr lang="en-US" sz="1400" b="0" i="0" u="none" strike="noStrike" cap="none" dirty="0">
               <a:solidFill>
                 <a:srgbClr val="000000"/>
@@ -16586,7 +16633,7 @@
           </a:bodyPr>
           <a:lstStyle/>
           <a:p>
-            <a:pPr marL="0" marR="0" lvl="0" indent="0" algn="l" rtl="0">
+            <a:pPr marL="0" marR="0" lvl="0" indent="0" algn="l" defTabSz="914400" rtl="0" eaLnBrk="1" fontAlgn="auto" latinLnBrk="0" hangingPunct="1">
               <a:lnSpc>
                 <a:spcPct val="100000"/>
               </a:lnSpc>
@@ -16602,31 +16649,30 @@
               <a:buSzPts val="1200"/>
               <a:buFont typeface="Arial"/>
               <a:buNone/>
+              <a:tabLst/>
+              <a:defRPr/>
             </a:pPr>
             <a:r>
-              <a:rPr lang="en-US" sz="1200" b="1" dirty="0">
-                <a:solidFill>
-                  <a:schemeClr val="lt1"/>
-                </a:solidFill>
+              <a:rPr kumimoji="0" lang="en-US" sz="1200" b="1" i="0" u="none" strike="noStrike" kern="0" cap="none" spc="0" normalizeH="0" baseline="0" noProof="0" dirty="0">
+                <a:ln>
+                  <a:noFill/>
+                </a:ln>
+                <a:solidFill>
+                  <a:srgbClr val="FFFFFF"/>
+                </a:solidFill>
+                <a:effectLst/>
+                <a:uLnTx/>
+                <a:uFillTx/>
                 <a:latin typeface="Calibri"/>
                 <a:ea typeface="Calibri"/>
                 <a:cs typeface="Calibri"/>
                 <a:sym typeface="Calibri"/>
               </a:rPr>
-              <a:t>Gabriel Shores</a:t>
+              <a:t>Cameron Nelson</a:t>
             </a:r>
-            <a:endParaRPr sz="1200" b="1" i="0" u="none" strike="noStrike" cap="none" dirty="0">
-              <a:solidFill>
-                <a:schemeClr val="lt1"/>
-              </a:solidFill>
-              <a:latin typeface="Calibri"/>
-              <a:ea typeface="Calibri"/>
-              <a:cs typeface="Calibri"/>
-              <a:sym typeface="Calibri"/>
-            </a:endParaRPr>
           </a:p>
           <a:p>
-            <a:pPr marL="0" marR="0" lvl="0" indent="0" algn="l" rtl="0">
+            <a:pPr marL="0" marR="0" lvl="0" indent="0" algn="l" defTabSz="914400" rtl="0" eaLnBrk="1" fontAlgn="auto" latinLnBrk="0" hangingPunct="1">
               <a:lnSpc>
                 <a:spcPct val="100000"/>
               </a:lnSpc>
@@ -16642,72 +16688,67 @@
               <a:buSzPts val="1100"/>
               <a:buFont typeface="Arial"/>
               <a:buNone/>
+              <a:tabLst/>
+              <a:defRPr/>
             </a:pPr>
             <a:r>
-              <a:rPr lang="en-US" sz="1100" b="1" i="1" dirty="0">
-                <a:solidFill>
-                  <a:schemeClr val="lt1"/>
-                </a:solidFill>
+              <a:rPr kumimoji="0" lang="en-US" sz="1100" b="1" i="1" u="none" strike="noStrike" kern="0" cap="none" spc="0" normalizeH="0" baseline="0" noProof="0" dirty="0">
+                <a:ln>
+                  <a:noFill/>
+                </a:ln>
+                <a:solidFill>
+                  <a:srgbClr val="FFFFFF"/>
+                </a:solidFill>
+                <a:effectLst/>
+                <a:uLnTx/>
+                <a:uFillTx/>
                 <a:latin typeface="Calibri"/>
                 <a:ea typeface="Calibri"/>
                 <a:cs typeface="Calibri"/>
                 <a:sym typeface="Calibri"/>
               </a:rPr>
-              <a:t>Director of Technology</a:t>
+              <a:t>Fund Equities Lead– FinTech @ IU</a:t>
             </a:r>
+          </a:p>
+          <a:p>
+            <a:pPr marL="0" marR="0" lvl="0" indent="0" algn="l" defTabSz="914400" rtl="0" eaLnBrk="1" fontAlgn="auto" latinLnBrk="0" hangingPunct="1">
+              <a:lnSpc>
+                <a:spcPct val="100000"/>
+              </a:lnSpc>
+              <a:spcBef>
+                <a:spcPts val="0"/>
+              </a:spcBef>
+              <a:spcAft>
+                <a:spcPts val="0"/>
+              </a:spcAft>
+              <a:buClr>
+                <a:srgbClr val="000000"/>
+              </a:buClr>
+              <a:buSzPts val="1200"/>
+              <a:buFont typeface="Arial"/>
+              <a:buNone/>
+              <a:tabLst/>
+              <a:defRPr/>
+            </a:pPr>
             <a:r>
-              <a:rPr lang="en-US" sz="1100" b="1" i="1" u="none" strike="noStrike" cap="none" dirty="0">
-                <a:solidFill>
-                  <a:schemeClr val="lt1"/>
-                </a:solidFill>
+              <a:rPr kumimoji="0" lang="en-US" sz="1000" b="0" i="0" u="none" strike="noStrike" kern="0" cap="none" spc="0" normalizeH="0" baseline="0" noProof="0" dirty="0">
+                <a:ln>
+                  <a:noFill/>
+                </a:ln>
+                <a:solidFill>
+                  <a:srgbClr val="FFFFFF"/>
+                </a:solidFill>
+                <a:effectLst/>
+                <a:uLnTx/>
+                <a:uFillTx/>
                 <a:latin typeface="Calibri"/>
                 <a:ea typeface="Calibri"/>
                 <a:cs typeface="Calibri"/>
                 <a:sym typeface="Calibri"/>
               </a:rPr>
-              <a:t> – FinTech @ IU</a:t>
+              <a:t>https://www.linkedin.com/in/cameron-j-nelson/</a:t>
             </a:r>
-            <a:endParaRPr sz="1100" b="1" i="1" u="none" strike="noStrike" cap="none" dirty="0">
-              <a:solidFill>
-                <a:schemeClr val="lt1"/>
-              </a:solidFill>
-              <a:latin typeface="Calibri"/>
-              <a:ea typeface="Calibri"/>
-              <a:cs typeface="Calibri"/>
-              <a:sym typeface="Calibri"/>
-            </a:endParaRPr>
-          </a:p>
-          <a:p>
-            <a:pPr marL="0" marR="0" lvl="0" indent="0" algn="l" rtl="0">
-              <a:lnSpc>
-                <a:spcPct val="100000"/>
-              </a:lnSpc>
-              <a:spcBef>
-                <a:spcPts val="0"/>
-              </a:spcBef>
-              <a:spcAft>
-                <a:spcPts val="0"/>
-              </a:spcAft>
-              <a:buClr>
-                <a:srgbClr val="000000"/>
-              </a:buClr>
-              <a:buSzPts val="1000"/>
-              <a:buFont typeface="Arial"/>
-              <a:buNone/>
-            </a:pPr>
-            <a:r>
-              <a:rPr lang="en-US" sz="1000" b="0" i="0" u="none" strike="noStrike" cap="none" dirty="0">
-                <a:solidFill>
-                  <a:schemeClr val="lt1"/>
-                </a:solidFill>
-                <a:latin typeface="Calibri"/>
-                <a:ea typeface="Calibri"/>
-                <a:cs typeface="Calibri"/>
-                <a:sym typeface="Calibri"/>
-              </a:rPr>
-              <a:t>https://www.linkedin.com/in/gabriel-shores-379b81291/</a:t>
-            </a:r>
-            <a:endParaRPr sz="1400" b="0" i="0" u="none" strike="noStrike" cap="none" dirty="0">
+            <a:endParaRPr lang="en-US" sz="1400" b="0" i="0" u="none" strike="noStrike" cap="none" dirty="0">
               <a:solidFill>
                 <a:srgbClr val="000000"/>
               </a:solidFill>
@@ -17131,7 +17172,7 @@
         <p:spPr>
           <a:xfrm>
             <a:off x="102637" y="986732"/>
-            <a:ext cx="5074309" cy="6401753"/>
+            <a:ext cx="5074309" cy="4524315"/>
           </a:xfrm>
           <a:prstGeom prst="rect">
             <a:avLst/>
@@ -17149,110 +17190,9 @@
               <a:buChar char="•"/>
             </a:pPr>
             <a:r>
-              <a:rPr lang="en-US" sz="1800" dirty="0"/>
-              <a:t>Analyzing data is often easier through visualizations</a:t>
+              <a:rPr lang="en-US" sz="2400" dirty="0"/>
+              <a:t>Data could not be more important</a:t>
             </a:r>
-          </a:p>
-          <a:p>
-            <a:pPr marL="285750" indent="-285750">
-              <a:buFont typeface="Arial" panose="020B0604020202020204" pitchFamily="34" charset="0"/>
-              <a:buChar char="•"/>
-            </a:pPr>
-            <a:endParaRPr lang="en-US" sz="1800" dirty="0"/>
-          </a:p>
-          <a:p>
-            <a:pPr marL="285750" indent="-285750">
-              <a:buFont typeface="Arial" panose="020B0604020202020204" pitchFamily="34" charset="0"/>
-              <a:buChar char="•"/>
-            </a:pPr>
-            <a:r>
-              <a:rPr lang="en-US" sz="1800" dirty="0"/>
-              <a:t>The matplotlib library allows users to make different types of graphs</a:t>
-            </a:r>
-          </a:p>
-          <a:p>
-            <a:pPr marL="285750" indent="-285750">
-              <a:buFont typeface="Arial" panose="020B0604020202020204" pitchFamily="34" charset="0"/>
-              <a:buChar char="•"/>
-            </a:pPr>
-            <a:endParaRPr lang="en-US" sz="1800" dirty="0"/>
-          </a:p>
-          <a:p>
-            <a:pPr marL="285750" indent="-285750">
-              <a:buFont typeface="Arial" panose="020B0604020202020204" pitchFamily="34" charset="0"/>
-              <a:buChar char="•"/>
-            </a:pPr>
-            <a:r>
-              <a:rPr lang="en-US" sz="1800" dirty="0"/>
-              <a:t>3 parts to a graph</a:t>
-            </a:r>
-          </a:p>
-          <a:p>
-            <a:pPr marL="285750" indent="-285750">
-              <a:buFont typeface="Arial" panose="020B0604020202020204" pitchFamily="34" charset="0"/>
-              <a:buChar char="•"/>
-            </a:pPr>
-            <a:endParaRPr lang="en-US" sz="1800" dirty="0"/>
-          </a:p>
-          <a:p>
-            <a:pPr marL="285750" indent="-285750">
-              <a:buFont typeface="Arial" panose="020B0604020202020204" pitchFamily="34" charset="0"/>
-              <a:buChar char="•"/>
-            </a:pPr>
-            <a:r>
-              <a:rPr lang="en-US" sz="1800" dirty="0"/>
-              <a:t>Figures are the backgrounds which everything lies upon</a:t>
-            </a:r>
-          </a:p>
-          <a:p>
-            <a:pPr marL="285750" indent="-285750">
-              <a:buFont typeface="Arial" panose="020B0604020202020204" pitchFamily="34" charset="0"/>
-              <a:buChar char="•"/>
-            </a:pPr>
-            <a:endParaRPr lang="en-US" sz="1800" dirty="0"/>
-          </a:p>
-          <a:p>
-            <a:pPr marL="285750" indent="-285750">
-              <a:buFont typeface="Arial" panose="020B0604020202020204" pitchFamily="34" charset="0"/>
-              <a:buChar char="•"/>
-            </a:pPr>
-            <a:r>
-              <a:rPr lang="en-US" sz="1800" dirty="0"/>
-              <a:t>Axes contain the different axes, labels, titles, and gridlines</a:t>
-            </a:r>
-          </a:p>
-          <a:p>
-            <a:pPr marL="285750" indent="-285750">
-              <a:buFont typeface="Arial" panose="020B0604020202020204" pitchFamily="34" charset="0"/>
-              <a:buChar char="•"/>
-            </a:pPr>
-            <a:endParaRPr lang="en-US" sz="1800" dirty="0"/>
-          </a:p>
-          <a:p>
-            <a:pPr marL="285750" indent="-285750">
-              <a:buFont typeface="Arial" panose="020B0604020202020204" pitchFamily="34" charset="0"/>
-              <a:buChar char="•"/>
-            </a:pPr>
-            <a:r>
-              <a:rPr lang="en-US" sz="1800" dirty="0"/>
-              <a:t>Plots/subplots are the visual representations of data and includes line charts, bar charts, and scatter plots</a:t>
-            </a:r>
-          </a:p>
-          <a:p>
-            <a:pPr marL="285750" indent="-285750">
-              <a:buFont typeface="Arial" panose="020B0604020202020204" pitchFamily="34" charset="0"/>
-              <a:buChar char="•"/>
-            </a:pPr>
-            <a:endParaRPr lang="en-US" sz="2000" dirty="0"/>
-          </a:p>
-          <a:p>
-            <a:endParaRPr lang="en-US" sz="2000" dirty="0"/>
-          </a:p>
-          <a:p>
-            <a:endParaRPr lang="en-US" sz="2000" dirty="0"/>
-          </a:p>
-          <a:p>
-            <a:endParaRPr lang="en-US" sz="2000" dirty="0"/>
           </a:p>
           <a:p>
             <a:pPr marL="285750" indent="-285750">
@@ -17261,100 +17201,102 @@
             </a:pPr>
             <a:endParaRPr lang="en-US" sz="2400" dirty="0"/>
           </a:p>
+          <a:p>
+            <a:pPr marL="285750" indent="-285750">
+              <a:buFont typeface="Arial" panose="020B0604020202020204" pitchFamily="34" charset="0"/>
+              <a:buChar char="•"/>
+            </a:pPr>
+            <a:r>
+              <a:rPr lang="en-US" sz="2400" dirty="0"/>
+              <a:t>The internet has a significant amount of data, some that isn’t neatly formatted for you (or the nearly formatted version is behind a paywall)</a:t>
+            </a:r>
+          </a:p>
+          <a:p>
+            <a:pPr marL="285750" indent="-285750">
+              <a:buFont typeface="Arial" panose="020B0604020202020204" pitchFamily="34" charset="0"/>
+              <a:buChar char="•"/>
+            </a:pPr>
+            <a:endParaRPr lang="en-US" sz="2400" dirty="0"/>
+          </a:p>
+          <a:p>
+            <a:pPr marL="285750" indent="-285750">
+              <a:buFont typeface="Arial" panose="020B0604020202020204" pitchFamily="34" charset="0"/>
+              <a:buChar char="•"/>
+            </a:pPr>
+            <a:r>
+              <a:rPr lang="en-US" sz="2400" dirty="0"/>
+              <a:t>The web is also really important, and knowing how to interact with it in Python will enable you to write more interesting programs</a:t>
+            </a:r>
+          </a:p>
         </p:txBody>
       </p:sp>
       <p:pic>
         <p:nvPicPr>
-          <p:cNvPr id="1026" name="Picture 2" descr="6 Data visualization – Introduction to Data Science with Python">
+          <p:cNvPr id="6" name="Graphic 5">
             <a:extLst>
               <a:ext uri="{FF2B5EF4-FFF2-40B4-BE49-F238E27FC236}">
-                <a16:creationId xmlns:a16="http://schemas.microsoft.com/office/drawing/2014/main" id="{7C970359-7FD5-4AC8-25F4-EA4D303E22BC}"/>
+                <a16:creationId xmlns:a16="http://schemas.microsoft.com/office/drawing/2014/main" id="{FCFCD025-72E5-B596-1849-EDD44DAF398F}"/>
               </a:ext>
             </a:extLst>
           </p:cNvPr>
           <p:cNvPicPr>
-            <a:picLocks noChangeAspect="1" noChangeArrowheads="1"/>
+            <a:picLocks noChangeAspect="1"/>
           </p:cNvPicPr>
           <p:nvPr/>
         </p:nvPicPr>
         <p:blipFill>
           <a:blip r:embed="rId4">
             <a:extLst>
-              <a:ext uri="{28A0092B-C50C-407E-A947-70E740481C1C}">
-                <a14:useLocalDpi xmlns:a14="http://schemas.microsoft.com/office/drawing/2010/main" val="0"/>
+              <a:ext uri="{96DAC541-7B7A-43D3-8B79-37D633B846F1}">
+                <asvg:svgBlip xmlns:asvg="http://schemas.microsoft.com/office/drawing/2016/SVG/main" r:embed="rId5"/>
               </a:ext>
             </a:extLst>
           </a:blip>
-          <a:srcRect/>
           <a:stretch>
             <a:fillRect/>
           </a:stretch>
         </p:blipFill>
-        <p:spPr bwMode="auto">
+        <p:spPr>
           <a:xfrm>
-            <a:off x="5854045" y="930056"/>
-            <a:ext cx="6145122" cy="2899729"/>
+            <a:off x="7497082" y="1065755"/>
+            <a:ext cx="3168585" cy="2648370"/>
           </a:xfrm>
           <a:prstGeom prst="rect">
             <a:avLst/>
           </a:prstGeom>
-          <a:noFill/>
-          <a:extLst>
-            <a:ext uri="{909E8E84-426E-40DD-AFC4-6F175D3DCCD1}">
-              <a14:hiddenFill xmlns:a14="http://schemas.microsoft.com/office/drawing/2010/main">
-                <a:solidFill>
-                  <a:srgbClr val="FFFFFF"/>
-                </a:solidFill>
-              </a14:hiddenFill>
-            </a:ext>
-          </a:extLst>
         </p:spPr>
       </p:pic>
       <p:pic>
         <p:nvPicPr>
-          <p:cNvPr id="1030" name="Picture 6" descr="Output image">
+          <p:cNvPr id="10" name="Picture 9">
             <a:extLst>
               <a:ext uri="{FF2B5EF4-FFF2-40B4-BE49-F238E27FC236}">
-                <a16:creationId xmlns:a16="http://schemas.microsoft.com/office/drawing/2014/main" id="{10A16F3A-F6C6-962A-D73C-8FCF15B94A88}"/>
+                <a16:creationId xmlns:a16="http://schemas.microsoft.com/office/drawing/2014/main" id="{D8F40724-B886-8EAC-EF32-B998BFB0FD74}"/>
+              </a:ext>
+              <a:ext uri="{C183D7F6-B498-43B3-948B-1728B52AA6E4}">
+                <adec:decorative xmlns:adec="http://schemas.microsoft.com/office/drawing/2017/decorative" val="0"/>
               </a:ext>
             </a:extLst>
           </p:cNvPr>
           <p:cNvPicPr>
-            <a:picLocks noChangeAspect="1" noChangeArrowheads="1"/>
+            <a:picLocks noChangeAspect="1"/>
           </p:cNvPicPr>
           <p:nvPr/>
         </p:nvPicPr>
         <p:blipFill>
-          <a:blip r:embed="rId5">
-            <a:extLst>
-              <a:ext uri="{28A0092B-C50C-407E-A947-70E740481C1C}">
-                <a14:useLocalDpi xmlns:a14="http://schemas.microsoft.com/office/drawing/2010/main" val="0"/>
-              </a:ext>
-            </a:extLst>
-          </a:blip>
-          <a:srcRect/>
+          <a:blip r:embed="rId6"/>
           <a:stretch>
             <a:fillRect/>
           </a:stretch>
         </p:blipFill>
-        <p:spPr bwMode="auto">
+        <p:spPr>
           <a:xfrm>
-            <a:off x="7068017" y="3969122"/>
-            <a:ext cx="3717178" cy="2301593"/>
+            <a:off x="6185774" y="3714125"/>
+            <a:ext cx="5715000" cy="2438400"/>
           </a:xfrm>
           <a:prstGeom prst="rect">
             <a:avLst/>
           </a:prstGeom>
-          <a:noFill/>
-          <a:extLst>
-            <a:ext uri="{909E8E84-426E-40DD-AFC4-6F175D3DCCD1}">
-              <a14:hiddenFill xmlns:a14="http://schemas.microsoft.com/office/drawing/2010/main">
-                <a:solidFill>
-                  <a:srgbClr val="FFFFFF"/>
-                </a:solidFill>
-              </a14:hiddenFill>
-            </a:ext>
-          </a:extLst>
         </p:spPr>
       </p:pic>
     </p:spTree>
@@ -18580,7 +18522,7 @@
             </a:r>
             <a:r>
               <a:rPr lang="en-US" sz="1800" dirty="0"/>
-              <a:t> is a lower level library for more complex/more specific requests.</a:t>
+              <a:t> is a lower level library for more options or more specific requests.</a:t>
             </a:r>
           </a:p>
           <a:p>
@@ -20985,40 +20927,6 @@
 </file>
 
 <file path=customXml/item1.xml><?xml version="1.0" encoding="utf-8"?>
-<p:properties xmlns:p="http://schemas.microsoft.com/office/2006/metadata/properties" xmlns:xsi="http://www.w3.org/2001/XMLSchema-instance" xmlns:pc="http://schemas.microsoft.com/office/infopath/2007/PartnerControls">
-  <documentManagement>
-    <SharedWithUsers xmlns="4c34007c-e7e0-4050-99ed-69ba286f42fc">
-      <UserInfo>
-        <DisplayName>Nelson, Cameron</DisplayName>
-        <AccountId>33</AccountId>
-        <AccountType/>
-      </UserInfo>
-      <UserInfo>
-        <DisplayName>Mullangi, Sai</DisplayName>
-        <AccountId>34</AccountId>
-        <AccountType/>
-      </UserInfo>
-      <UserInfo>
-        <DisplayName>Elliott, Drew Calvert</DisplayName>
-        <AccountId>13</AccountId>
-        <AccountType/>
-      </UserInfo>
-    </SharedWithUsers>
-    <_activity xmlns="7043361d-09bf-48aa-9854-a95c18db7a2c" xsi:nil="true"/>
-  </documentManagement>
-</p:properties>
-</file>
-
-<file path=customXml/item2.xml><?xml version="1.0" encoding="utf-8"?>
-<?mso-contentType ?>
-<FormTemplates xmlns="http://schemas.microsoft.com/sharepoint/v3/contenttype/forms">
-  <Display>DocumentLibraryForm</Display>
-  <Edit>DocumentLibraryForm</Edit>
-  <New>DocumentLibraryForm</New>
-</FormTemplates>
-</file>
-
-<file path=customXml/item3.xml><?xml version="1.0" encoding="utf-8"?>
 <ct:contentTypeSchema xmlns:ct="http://schemas.microsoft.com/office/2006/metadata/contentType" xmlns:ma="http://schemas.microsoft.com/office/2006/metadata/properties/metaAttributes" ct:_="" ma:_="" ma:contentTypeName="Document" ma:contentTypeID="0x010100635822199CAF54498337EE9EB32C8516" ma:contentTypeVersion="13" ma:contentTypeDescription="Create a new document." ma:contentTypeScope="" ma:versionID="ee34d6068836a6d323b1fbd5bad3b077">
   <xsd:schema xmlns:xsd="http://www.w3.org/2001/XMLSchema" xmlns:xs="http://www.w3.org/2001/XMLSchema" xmlns:p="http://schemas.microsoft.com/office/2006/metadata/properties" xmlns:ns3="7043361d-09bf-48aa-9854-a95c18db7a2c" xmlns:ns4="4c34007c-e7e0-4050-99ed-69ba286f42fc" targetNamespace="http://schemas.microsoft.com/office/2006/metadata/properties" ma:root="true" ma:fieldsID="9c7944fb8d48ba404798cc2a67f25759" ns3:_="" ns4:_="">
     <xsd:import namespace="7043361d-09bf-48aa-9854-a95c18db7a2c"/>
@@ -21237,32 +21145,41 @@
 </ct:contentTypeSchema>
 </file>
 
-<file path=customXml/itemProps1.xml><?xml version="1.0" encoding="utf-8"?>
-<ds:datastoreItem xmlns:ds="http://schemas.openxmlformats.org/officeDocument/2006/customXml" ds:itemID="{B7181563-95D3-4A73-B30D-D1DAA85823E5}">
-  <ds:schemaRefs>
-    <ds:schemaRef ds:uri="http://schemas.microsoft.com/office/2006/documentManagement/types"/>
-    <ds:schemaRef ds:uri="http://purl.org/dc/elements/1.1/"/>
-    <ds:schemaRef ds:uri="http://schemas.microsoft.com/office/2006/metadata/properties"/>
-    <ds:schemaRef ds:uri="7043361d-09bf-48aa-9854-a95c18db7a2c"/>
-    <ds:schemaRef ds:uri="http://purl.org/dc/dcmitype/"/>
-    <ds:schemaRef ds:uri="4c34007c-e7e0-4050-99ed-69ba286f42fc"/>
-    <ds:schemaRef ds:uri="http://schemas.microsoft.com/office/infopath/2007/PartnerControls"/>
-    <ds:schemaRef ds:uri="http://schemas.openxmlformats.org/package/2006/metadata/core-properties"/>
-    <ds:schemaRef ds:uri="http://www.w3.org/XML/1998/namespace"/>
-    <ds:schemaRef ds:uri="http://purl.org/dc/terms/"/>
-  </ds:schemaRefs>
-</ds:datastoreItem>
+<file path=customXml/item2.xml><?xml version="1.0" encoding="utf-8"?>
+<?mso-contentType ?>
+<FormTemplates xmlns="http://schemas.microsoft.com/sharepoint/v3/contenttype/forms">
+  <Display>DocumentLibraryForm</Display>
+  <Edit>DocumentLibraryForm</Edit>
+  <New>DocumentLibraryForm</New>
+</FormTemplates>
 </file>
 
-<file path=customXml/itemProps2.xml><?xml version="1.0" encoding="utf-8"?>
-<ds:datastoreItem xmlns:ds="http://schemas.openxmlformats.org/officeDocument/2006/customXml" ds:itemID="{95309E96-4542-4057-BD05-C8679494A345}">
-  <ds:schemaRefs>
-    <ds:schemaRef ds:uri="http://schemas.microsoft.com/sharepoint/v3/contenttype/forms"/>
-  </ds:schemaRefs>
-</ds:datastoreItem>
+<file path=customXml/item3.xml><?xml version="1.0" encoding="utf-8"?>
+<p:properties xmlns:p="http://schemas.microsoft.com/office/2006/metadata/properties" xmlns:xsi="http://www.w3.org/2001/XMLSchema-instance" xmlns:pc="http://schemas.microsoft.com/office/infopath/2007/PartnerControls">
+  <documentManagement>
+    <SharedWithUsers xmlns="4c34007c-e7e0-4050-99ed-69ba286f42fc">
+      <UserInfo>
+        <DisplayName>Nelson, Cameron</DisplayName>
+        <AccountId>33</AccountId>
+        <AccountType/>
+      </UserInfo>
+      <UserInfo>
+        <DisplayName>Mullangi, Sai</DisplayName>
+        <AccountId>34</AccountId>
+        <AccountType/>
+      </UserInfo>
+      <UserInfo>
+        <DisplayName>Elliott, Drew Calvert</DisplayName>
+        <AccountId>13</AccountId>
+        <AccountType/>
+      </UserInfo>
+    </SharedWithUsers>
+    <_activity xmlns="7043361d-09bf-48aa-9854-a95c18db7a2c" xsi:nil="true"/>
+  </documentManagement>
+</p:properties>
 </file>
 
-<file path=customXml/itemProps3.xml><?xml version="1.0" encoding="utf-8"?>
+<file path=customXml/itemProps1.xml><?xml version="1.0" encoding="utf-8"?>
 <ds:datastoreItem xmlns:ds="http://schemas.openxmlformats.org/officeDocument/2006/customXml" ds:itemID="{AA84E180-4FB0-4C0F-831C-88699033C1F6}">
   <ds:schemaRefs>
     <ds:schemaRef ds:uri="http://schemas.microsoft.com/office/2006/metadata/contentType"/>
@@ -21279,4 +21196,29 @@
     <ds:schemaRef ds:uri="http://schemas.microsoft.com/internal/obd"/>
   </ds:schemaRefs>
 </ds:datastoreItem>
+</file>
+
+<file path=customXml/itemProps2.xml><?xml version="1.0" encoding="utf-8"?>
+<ds:datastoreItem xmlns:ds="http://schemas.openxmlformats.org/officeDocument/2006/customXml" ds:itemID="{95309E96-4542-4057-BD05-C8679494A345}">
+  <ds:schemaRefs>
+    <ds:schemaRef ds:uri="http://schemas.microsoft.com/sharepoint/v3/contenttype/forms"/>
+  </ds:schemaRefs>
+</ds:datastoreItem>
+</file>
+
+<file path=customXml/itemProps3.xml><?xml version="1.0" encoding="utf-8"?>
+<ds:datastoreItem xmlns:ds="http://schemas.openxmlformats.org/officeDocument/2006/customXml" ds:itemID="{B7181563-95D3-4A73-B30D-D1DAA85823E5}">
+  <ds:schemaRefs>
+    <ds:schemaRef ds:uri="http://schemas.microsoft.com/office/2006/documentManagement/types"/>
+    <ds:schemaRef ds:uri="http://purl.org/dc/elements/1.1/"/>
+    <ds:schemaRef ds:uri="http://schemas.microsoft.com/office/2006/metadata/properties"/>
+    <ds:schemaRef ds:uri="7043361d-09bf-48aa-9854-a95c18db7a2c"/>
+    <ds:schemaRef ds:uri="http://purl.org/dc/dcmitype/"/>
+    <ds:schemaRef ds:uri="4c34007c-e7e0-4050-99ed-69ba286f42fc"/>
+    <ds:schemaRef ds:uri="http://schemas.microsoft.com/office/infopath/2007/PartnerControls"/>
+    <ds:schemaRef ds:uri="http://schemas.openxmlformats.org/package/2006/metadata/core-properties"/>
+    <ds:schemaRef ds:uri="http://www.w3.org/XML/1998/namespace"/>
+    <ds:schemaRef ds:uri="http://purl.org/dc/terms/"/>
+  </ds:schemaRefs>
+</ds:datastoreItem>
 </file>